--- a/Asynchronous Delegates.pptx
+++ b/Asynchronous Delegates.pptx
@@ -208,7 +208,7 @@
             <a:fld id="{5503BD63-8563-4A31-AA26-045F7EFD06CF}" type="datetimeFigureOut">
               <a:rPr lang="en-US" smtClean="0"/>
               <a:pPr/>
-              <a:t>3/11/2014</a:t>
+              <a:t>4/19/2019</a:t>
             </a:fld>
             <a:endParaRPr lang="en-US" dirty="0"/>
           </a:p>
@@ -377,6 +377,11 @@
         </p:txBody>
       </p:sp>
     </p:spTree>
+    <p:extLst>
+      <p:ext uri="{BB962C8B-B14F-4D97-AF65-F5344CB8AC3E}">
+        <p14:creationId xmlns:p14="http://schemas.microsoft.com/office/powerpoint/2010/main" val="1463001726"/>
+      </p:ext>
+    </p:extLst>
   </p:cSld>
   <p:clrMap bg1="lt1" tx1="dk1" bg2="lt2" tx2="dk2" accent1="accent1" accent2="accent2" accent3="accent3" accent4="accent4" accent5="accent5" accent6="accent6" hlink="hlink" folHlink="folHlink"/>
   <p:notesStyle>
@@ -902,7 +907,7 @@
             <a:fld id="{D1CA2B2D-586C-4A5E-8272-12B0B9804C35}" type="datetimeFigureOut">
               <a:rPr lang="en-US" smtClean="0"/>
               <a:pPr/>
-              <a:t>3/11/2014</a:t>
+              <a:t>4/19/2019</a:t>
             </a:fld>
             <a:endParaRPr lang="en-US" dirty="0"/>
           </a:p>
@@ -1069,7 +1074,7 @@
             <a:fld id="{D1CA2B2D-586C-4A5E-8272-12B0B9804C35}" type="datetimeFigureOut">
               <a:rPr lang="en-US" smtClean="0"/>
               <a:pPr/>
-              <a:t>3/11/2014</a:t>
+              <a:t>4/19/2019</a:t>
             </a:fld>
             <a:endParaRPr lang="en-US" dirty="0"/>
           </a:p>
@@ -1246,7 +1251,7 @@
             <a:fld id="{D1CA2B2D-586C-4A5E-8272-12B0B9804C35}" type="datetimeFigureOut">
               <a:rPr lang="en-US" smtClean="0"/>
               <a:pPr/>
-              <a:t>3/11/2014</a:t>
+              <a:t>4/19/2019</a:t>
             </a:fld>
             <a:endParaRPr lang="en-US" dirty="0"/>
           </a:p>
@@ -1413,7 +1418,7 @@
             <a:fld id="{D1CA2B2D-586C-4A5E-8272-12B0B9804C35}" type="datetimeFigureOut">
               <a:rPr lang="en-US" smtClean="0"/>
               <a:pPr/>
-              <a:t>3/11/2014</a:t>
+              <a:t>4/19/2019</a:t>
             </a:fld>
             <a:endParaRPr lang="en-US" dirty="0"/>
           </a:p>
@@ -1656,7 +1661,7 @@
             <a:fld id="{D1CA2B2D-586C-4A5E-8272-12B0B9804C35}" type="datetimeFigureOut">
               <a:rPr lang="en-US" smtClean="0"/>
               <a:pPr/>
-              <a:t>3/11/2014</a:t>
+              <a:t>4/19/2019</a:t>
             </a:fld>
             <a:endParaRPr lang="en-US" dirty="0"/>
           </a:p>
@@ -1941,7 +1946,7 @@
             <a:fld id="{D1CA2B2D-586C-4A5E-8272-12B0B9804C35}" type="datetimeFigureOut">
               <a:rPr lang="en-US" smtClean="0"/>
               <a:pPr/>
-              <a:t>3/11/2014</a:t>
+              <a:t>4/19/2019</a:t>
             </a:fld>
             <a:endParaRPr lang="en-US" dirty="0"/>
           </a:p>
@@ -2360,7 +2365,7 @@
             <a:fld id="{D1CA2B2D-586C-4A5E-8272-12B0B9804C35}" type="datetimeFigureOut">
               <a:rPr lang="en-US" smtClean="0"/>
               <a:pPr/>
-              <a:t>3/11/2014</a:t>
+              <a:t>4/19/2019</a:t>
             </a:fld>
             <a:endParaRPr lang="en-US" dirty="0"/>
           </a:p>
@@ -2475,7 +2480,7 @@
             <a:fld id="{D1CA2B2D-586C-4A5E-8272-12B0B9804C35}" type="datetimeFigureOut">
               <a:rPr lang="en-US" smtClean="0"/>
               <a:pPr/>
-              <a:t>3/11/2014</a:t>
+              <a:t>4/19/2019</a:t>
             </a:fld>
             <a:endParaRPr lang="en-US" dirty="0"/>
           </a:p>
@@ -2567,7 +2572,7 @@
             <a:fld id="{D1CA2B2D-586C-4A5E-8272-12B0B9804C35}" type="datetimeFigureOut">
               <a:rPr lang="en-US" smtClean="0"/>
               <a:pPr/>
-              <a:t>3/11/2014</a:t>
+              <a:t>4/19/2019</a:t>
             </a:fld>
             <a:endParaRPr lang="en-US" dirty="0"/>
           </a:p>
@@ -2841,7 +2846,7 @@
             <a:fld id="{D1CA2B2D-586C-4A5E-8272-12B0B9804C35}" type="datetimeFigureOut">
               <a:rPr lang="en-US" smtClean="0"/>
               <a:pPr/>
-              <a:t>3/11/2014</a:t>
+              <a:t>4/19/2019</a:t>
             </a:fld>
             <a:endParaRPr lang="en-US" dirty="0"/>
           </a:p>
@@ -3091,7 +3096,7 @@
             <a:fld id="{D1CA2B2D-586C-4A5E-8272-12B0B9804C35}" type="datetimeFigureOut">
               <a:rPr lang="en-US" smtClean="0"/>
               <a:pPr/>
-              <a:t>3/11/2014</a:t>
+              <a:t>4/19/2019</a:t>
             </a:fld>
             <a:endParaRPr lang="en-US" dirty="0"/>
           </a:p>
@@ -3301,7 +3306,7 @@
             <a:fld id="{D1CA2B2D-586C-4A5E-8272-12B0B9804C35}" type="datetimeFigureOut">
               <a:rPr lang="en-US" smtClean="0"/>
               <a:pPr/>
-              <a:t>3/11/2014</a:t>
+              <a:t>4/19/2019</a:t>
             </a:fld>
             <a:endParaRPr lang="en-US" dirty="0"/>
           </a:p>
@@ -3674,69 +3679,6 @@
       </p:grpSpPr>
       <p:sp>
         <p:nvSpPr>
-          <p:cNvPr id="4" name="Text Placeholder 3"/>
-          <p:cNvSpPr>
-            <a:spLocks noGrp="1"/>
-          </p:cNvSpPr>
-          <p:nvPr>
-            <p:ph type="body"/>
-          </p:nvPr>
-        </p:nvSpPr>
-        <p:spPr>
-          <a:xfrm>
-            <a:off x="2362200" y="3962400"/>
-            <a:ext cx="4015440" cy="1905000"/>
-          </a:xfrm>
-        </p:spPr>
-        <p:txBody>
-          <a:bodyPr>
-            <a:normAutofit/>
-          </a:bodyPr>
-          <a:lstStyle/>
-          <a:p>
-            <a:pPr algn="l"/>
-            <a:endParaRPr lang="en-US" sz="3800" dirty="0" smtClean="0">
-              <a:solidFill>
-                <a:srgbClr val="000000"/>
-              </a:solidFill>
-              <a:ea typeface="+mn-ea"/>
-              <a:cs typeface="+mn-cs"/>
-            </a:endParaRPr>
-          </a:p>
-          <a:p>
-            <a:r>
-              <a:rPr lang="en-US" sz="2800" dirty="0" smtClean="0">
-                <a:solidFill>
-                  <a:srgbClr val="000000"/>
-                </a:solidFill>
-                <a:ea typeface="+mn-ea"/>
-                <a:cs typeface="+mn-cs"/>
-              </a:rPr>
-              <a:t>By:</a:t>
-            </a:r>
-          </a:p>
-          <a:p>
-            <a:r>
-              <a:rPr lang="en-US" sz="3600" dirty="0" smtClean="0">
-                <a:solidFill>
-                  <a:srgbClr val="000000"/>
-                </a:solidFill>
-                <a:ea typeface="+mn-ea"/>
-                <a:cs typeface="+mn-cs"/>
-              </a:rPr>
-              <a:t>Sumit Kumar</a:t>
-            </a:r>
-          </a:p>
-          <a:p>
-            <a:pPr algn="l"/>
-            <a:endParaRPr lang="en-US" dirty="0">
-              <a:latin typeface="Arial Black" pitchFamily="34" charset="0"/>
-            </a:endParaRPr>
-          </a:p>
-        </p:txBody>
-      </p:sp>
-      <p:sp>
-        <p:nvSpPr>
           <p:cNvPr id="2" name="Title 1"/>
           <p:cNvSpPr>
             <a:spLocks noGrp="1"/>
@@ -4377,7 +4319,7 @@
     </p:spTree>
     <p:extLst>
       <p:ext uri="{BB962C8B-B14F-4D97-AF65-F5344CB8AC3E}">
-        <p14:creationId xmlns="" xmlns:p14="http://schemas.microsoft.com/office/powerpoint/2010/main" val="1218961733"/>
+        <p14:creationId xmlns:p14="http://schemas.microsoft.com/office/powerpoint/2010/main" val="1218961733"/>
       </p:ext>
     </p:extLst>
   </p:cSld>
@@ -5118,11 +5060,7 @@
             <a:pPr algn="just"/>
             <a:r>
               <a:rPr lang="en-US" dirty="0" smtClean="0"/>
-              <a:t>Hence, Asynchronous Delegates can be used to perform some task while main(caller) thread is also executing</a:t>
-            </a:r>
-            <a:r>
-              <a:rPr lang="en-US" dirty="0" smtClean="0"/>
-              <a:t>.</a:t>
+              <a:t>Hence, Asynchronous Delegates can be used to perform some task while main(caller) thread is also executing.</a:t>
             </a:r>
           </a:p>
           <a:p>
@@ -5144,11 +5082,7 @@
             <a:pPr algn="just"/>
             <a:r>
               <a:rPr lang="en-US" dirty="0" smtClean="0"/>
-              <a:t>Four </a:t>
-            </a:r>
-            <a:r>
-              <a:rPr lang="en-US" dirty="0" smtClean="0"/>
-              <a:t>Different ways to call method asynchronously are: EndInvoke Pattern , Wait Handle, Polling Pattern, Callback Pattern</a:t>
+              <a:t>Four Different ways to call method asynchronously are: EndInvoke Pattern , Wait Handle, Polling Pattern, Callback Pattern</a:t>
             </a:r>
           </a:p>
         </p:txBody>
@@ -5556,11 +5490,7 @@
             </a:r>
             <a:r>
               <a:rPr lang="en-US" sz="2800" dirty="0" smtClean="0"/>
-              <a:t> is a type that represents references to methods with a particular parameter list and return type</a:t>
-            </a:r>
-            <a:r>
-              <a:rPr lang="en-US" sz="2800" dirty="0" smtClean="0"/>
-              <a:t>.</a:t>
+              <a:t> is a type that represents references to methods with a particular parameter list and return type.</a:t>
             </a:r>
           </a:p>
           <a:p>
@@ -5590,11 +5520,7 @@
             </a:pPr>
             <a:r>
               <a:rPr lang="en-US" sz="2800" dirty="0" smtClean="0"/>
-              <a:t>Unlike </a:t>
-            </a:r>
-            <a:r>
-              <a:rPr lang="en-US" sz="2800" dirty="0" smtClean="0"/>
-              <a:t>function pointers, delegates in C# can call more than one function</a:t>
+              <a:t>Unlike function pointers, delegates in C# can call more than one function</a:t>
             </a:r>
             <a:endParaRPr lang="en-US" sz="2800" dirty="0" smtClean="0">
               <a:solidFill>
@@ -5616,11 +5542,7 @@
             </a:pPr>
             <a:r>
               <a:rPr lang="en-US" sz="2800" dirty="0" smtClean="0"/>
-              <a:t>The </a:t>
-            </a:r>
-            <a:r>
-              <a:rPr lang="en-US" sz="2800" dirty="0" smtClean="0"/>
-              <a:t>methods pointed to by the delegate can be called synchronously or asynchronously.</a:t>
+              <a:t>The methods pointed to by the delegate can be called synchronously or asynchronously.</a:t>
             </a:r>
           </a:p>
           <a:p>
@@ -5761,11 +5683,7 @@
           <a:p>
             <a:r>
               <a:rPr lang="en-US" dirty="0" smtClean="0"/>
-              <a:t>The asynchronous thread can then run the method in parallel to the calling thread</a:t>
-            </a:r>
-            <a:r>
-              <a:rPr lang="en-US" dirty="0" smtClean="0"/>
-              <a:t>.</a:t>
+              <a:t>The asynchronous thread can then run the method in parallel to the calling thread.</a:t>
             </a:r>
           </a:p>
           <a:p>
@@ -6164,11 +6082,7 @@
             </a:r>
             <a:r>
               <a:rPr lang="en-US" sz="2800" dirty="0" smtClean="0"/>
-              <a:t> Interface is used to represent status of an asynchronous operation</a:t>
-            </a:r>
-            <a:r>
-              <a:rPr lang="en-US" sz="2800" dirty="0" smtClean="0"/>
-              <a:t>.</a:t>
+              <a:t> Interface is used to represent status of an asynchronous operation.</a:t>
             </a:r>
           </a:p>
           <a:p>
@@ -6206,11 +6120,7 @@
             </a:r>
             <a:r>
               <a:rPr lang="en-US" sz="2800" dirty="0" smtClean="0"/>
-              <a:t> </a:t>
-            </a:r>
-            <a:r>
-              <a:rPr lang="en-US" sz="2800" dirty="0" smtClean="0"/>
-              <a:t>Delegate is used to reference a method to be called when a corresponding asynchronous operation completes.</a:t>
+              <a:t> Delegate is used to reference a method to be called when a corresponding asynchronous operation completes.</a:t>
             </a:r>
           </a:p>
           <a:p>
@@ -6227,11 +6137,7 @@
             </a:pPr>
             <a:r>
               <a:rPr lang="en-US" sz="2800" dirty="0" smtClean="0"/>
-              <a:t>The </a:t>
-            </a:r>
-            <a:r>
-              <a:rPr lang="en-US" sz="2800" dirty="0" smtClean="0"/>
-              <a:t>callback method takes IAsyncResult parameter, which is subsequently used to obtain the results of the asynchronous operation.</a:t>
+              <a:t>The callback method takes IAsyncResult parameter, which is subsequently used to obtain the results of the asynchronous operation.</a:t>
             </a:r>
           </a:p>
           <a:p>
